--- a/IoT indoor positioning system for disabled people.pptx
+++ b/IoT indoor positioning system for disabled people.pptx
@@ -9,7 +9,7 @@
     <p:sldId id="257" r:id="rId3"/>
     <p:sldId id="258" r:id="rId4"/>
     <p:sldId id="259" r:id="rId5"/>
-    <p:sldId id="260" r:id="rId6"/>
+    <p:sldId id="263" r:id="rId6"/>
     <p:sldId id="261" r:id="rId7"/>
     <p:sldId id="262" r:id="rId8"/>
   </p:sldIdLst>
@@ -186,7 +186,7 @@
           <a:noFill/>
           <a:extLst>
             <a:ext uri="{909E8E84-426E-40dd-AFC4-6F175D3DCCD1}">
-              <a14:hiddenFill xmlns:a14="http://schemas.microsoft.com/office/drawing/2010/main" xmlns="">
+              <a14:hiddenFill xmlns="" xmlns:a14="http://schemas.microsoft.com/office/drawing/2010/main">
                 <a:solidFill>
                   <a:srgbClr val="FFFFFF"/>
                 </a:solidFill>
@@ -245,7 +245,7 @@
             </a:ln>
             <a:extLst>
               <a:ext uri="{91240B29-F687-4f45-9708-019B960494DF}">
-                <a14:hiddenLine xmlns:a14="http://schemas.microsoft.com/office/drawing/2010/main" xmlns="" w="9525">
+                <a14:hiddenLine xmlns="" xmlns:a14="http://schemas.microsoft.com/office/drawing/2010/main" w="9525">
                   <a:solidFill>
                     <a:srgbClr val="000000"/>
                   </a:solidFill>
@@ -335,7 +335,7 @@
             </a:ln>
             <a:extLst>
               <a:ext uri="{91240B29-F687-4f45-9708-019B960494DF}">
-                <a14:hiddenLine xmlns:a14="http://schemas.microsoft.com/office/drawing/2010/main" xmlns="" w="9525">
+                <a14:hiddenLine xmlns="" xmlns:a14="http://schemas.microsoft.com/office/drawing/2010/main" w="9525">
                   <a:solidFill>
                     <a:srgbClr val="000000"/>
                   </a:solidFill>
@@ -425,7 +425,7 @@
             </a:ln>
             <a:extLst>
               <a:ext uri="{91240B29-F687-4f45-9708-019B960494DF}">
-                <a14:hiddenLine xmlns:a14="http://schemas.microsoft.com/office/drawing/2010/main" xmlns="" w="9525">
+                <a14:hiddenLine xmlns="" xmlns:a14="http://schemas.microsoft.com/office/drawing/2010/main" w="9525">
                   <a:solidFill>
                     <a:srgbClr val="000000"/>
                   </a:solidFill>
@@ -459,7 +459,7 @@
             </a:ln>
             <a:extLst>
               <a:ext uri="{91240B29-F687-4f45-9708-019B960494DF}">
-                <a14:hiddenLine xmlns:a14="http://schemas.microsoft.com/office/drawing/2010/main" xmlns="" w="9525">
+                <a14:hiddenLine xmlns="" xmlns:a14="http://schemas.microsoft.com/office/drawing/2010/main" w="9525">
                   <a:solidFill>
                     <a:srgbClr val="000000"/>
                   </a:solidFill>
@@ -549,7 +549,7 @@
             </a:ln>
             <a:extLst>
               <a:ext uri="{91240B29-F687-4f45-9708-019B960494DF}">
-                <a14:hiddenLine xmlns:a14="http://schemas.microsoft.com/office/drawing/2010/main" xmlns="" w="9525">
+                <a14:hiddenLine xmlns="" xmlns:a14="http://schemas.microsoft.com/office/drawing/2010/main" w="9525">
                   <a:solidFill>
                     <a:srgbClr val="000000"/>
                   </a:solidFill>
@@ -611,7 +611,7 @@
             </a:ln>
             <a:extLst>
               <a:ext uri="{91240B29-F687-4f45-9708-019B960494DF}">
-                <a14:hiddenLine xmlns:a14="http://schemas.microsoft.com/office/drawing/2010/main" xmlns="" w="9525">
+                <a14:hiddenLine xmlns="" xmlns:a14="http://schemas.microsoft.com/office/drawing/2010/main" w="9525">
                   <a:solidFill>
                     <a:srgbClr val="000000"/>
                   </a:solidFill>
@@ -673,7 +673,7 @@
             </a:ln>
             <a:extLst>
               <a:ext uri="{91240B29-F687-4f45-9708-019B960494DF}">
-                <a14:hiddenLine xmlns:a14="http://schemas.microsoft.com/office/drawing/2010/main" xmlns="" w="9525">
+                <a14:hiddenLine xmlns="" xmlns:a14="http://schemas.microsoft.com/office/drawing/2010/main" w="9525">
                   <a:solidFill>
                     <a:srgbClr val="000000"/>
                   </a:solidFill>
@@ -763,7 +763,7 @@
             </a:ln>
             <a:extLst>
               <a:ext uri="{91240B29-F687-4f45-9708-019B960494DF}">
-                <a14:hiddenLine xmlns:a14="http://schemas.microsoft.com/office/drawing/2010/main" xmlns="" w="9525">
+                <a14:hiddenLine xmlns="" xmlns:a14="http://schemas.microsoft.com/office/drawing/2010/main" w="9525">
                   <a:solidFill>
                     <a:srgbClr val="000000"/>
                   </a:solidFill>
@@ -825,7 +825,7 @@
             </a:ln>
             <a:extLst>
               <a:ext uri="{91240B29-F687-4f45-9708-019B960494DF}">
-                <a14:hiddenLine xmlns:a14="http://schemas.microsoft.com/office/drawing/2010/main" xmlns="" w="9525">
+                <a14:hiddenLine xmlns="" xmlns:a14="http://schemas.microsoft.com/office/drawing/2010/main" w="9525">
                   <a:solidFill>
                     <a:srgbClr val="000000"/>
                   </a:solidFill>
@@ -887,7 +887,7 @@
             </a:ln>
             <a:extLst>
               <a:ext uri="{91240B29-F687-4f45-9708-019B960494DF}">
-                <a14:hiddenLine xmlns:a14="http://schemas.microsoft.com/office/drawing/2010/main" xmlns="" w="9525">
+                <a14:hiddenLine xmlns="" xmlns:a14="http://schemas.microsoft.com/office/drawing/2010/main" w="9525">
                   <a:solidFill>
                     <a:srgbClr val="000000"/>
                   </a:solidFill>
@@ -977,7 +977,7 @@
             </a:ln>
             <a:extLst>
               <a:ext uri="{91240B29-F687-4f45-9708-019B960494DF}">
-                <a14:hiddenLine xmlns:a14="http://schemas.microsoft.com/office/drawing/2010/main" xmlns="" w="9525">
+                <a14:hiddenLine xmlns="" xmlns:a14="http://schemas.microsoft.com/office/drawing/2010/main" w="9525">
                   <a:solidFill>
                     <a:srgbClr val="000000"/>
                   </a:solidFill>
@@ -1067,7 +1067,7 @@
             </a:ln>
             <a:extLst>
               <a:ext uri="{91240B29-F687-4f45-9708-019B960494DF}">
-                <a14:hiddenLine xmlns:a14="http://schemas.microsoft.com/office/drawing/2010/main" xmlns="" w="9525">
+                <a14:hiddenLine xmlns="" xmlns:a14="http://schemas.microsoft.com/office/drawing/2010/main" w="9525">
                   <a:solidFill>
                     <a:srgbClr val="000000"/>
                   </a:solidFill>
@@ -1129,7 +1129,7 @@
             </a:ln>
             <a:extLst>
               <a:ext uri="{91240B29-F687-4f45-9708-019B960494DF}">
-                <a14:hiddenLine xmlns:a14="http://schemas.microsoft.com/office/drawing/2010/main" xmlns="" w="9525">
+                <a14:hiddenLine xmlns="" xmlns:a14="http://schemas.microsoft.com/office/drawing/2010/main" w="9525">
                   <a:solidFill>
                     <a:srgbClr val="000000"/>
                   </a:solidFill>
@@ -1239,7 +1239,7 @@
             </a:ln>
             <a:extLst>
               <a:ext uri="{91240B29-F687-4f45-9708-019B960494DF}">
-                <a14:hiddenLine xmlns:a14="http://schemas.microsoft.com/office/drawing/2010/main" xmlns="" w="9525">
+                <a14:hiddenLine xmlns="" xmlns:a14="http://schemas.microsoft.com/office/drawing/2010/main" w="9525">
                   <a:solidFill>
                     <a:srgbClr val="000000"/>
                   </a:solidFill>
@@ -1301,7 +1301,7 @@
             </a:ln>
             <a:extLst>
               <a:ext uri="{91240B29-F687-4f45-9708-019B960494DF}">
-                <a14:hiddenLine xmlns:a14="http://schemas.microsoft.com/office/drawing/2010/main" xmlns="" w="9525">
+                <a14:hiddenLine xmlns="" xmlns:a14="http://schemas.microsoft.com/office/drawing/2010/main" w="9525">
                   <a:solidFill>
                     <a:srgbClr val="000000"/>
                   </a:solidFill>
@@ -1391,7 +1391,7 @@
             </a:ln>
             <a:extLst>
               <a:ext uri="{91240B29-F687-4f45-9708-019B960494DF}">
-                <a14:hiddenLine xmlns:a14="http://schemas.microsoft.com/office/drawing/2010/main" xmlns="" w="9525">
+                <a14:hiddenLine xmlns="" xmlns:a14="http://schemas.microsoft.com/office/drawing/2010/main" w="9525">
                   <a:solidFill>
                     <a:srgbClr val="000000"/>
                   </a:solidFill>
@@ -1481,7 +1481,7 @@
             </a:ln>
             <a:extLst>
               <a:ext uri="{91240B29-F687-4f45-9708-019B960494DF}">
-                <a14:hiddenLine xmlns:a14="http://schemas.microsoft.com/office/drawing/2010/main" xmlns="" w="9525">
+                <a14:hiddenLine xmlns="" xmlns:a14="http://schemas.microsoft.com/office/drawing/2010/main" w="9525">
                   <a:solidFill>
                     <a:srgbClr val="000000"/>
                   </a:solidFill>
@@ -1543,7 +1543,7 @@
             </a:ln>
             <a:extLst>
               <a:ext uri="{91240B29-F687-4f45-9708-019B960494DF}">
-                <a14:hiddenLine xmlns:a14="http://schemas.microsoft.com/office/drawing/2010/main" xmlns="" w="9525">
+                <a14:hiddenLine xmlns="" xmlns:a14="http://schemas.microsoft.com/office/drawing/2010/main" w="9525">
                   <a:solidFill>
                     <a:srgbClr val="000000"/>
                   </a:solidFill>
@@ -1633,7 +1633,7 @@
             </a:ln>
             <a:extLst>
               <a:ext uri="{91240B29-F687-4f45-9708-019B960494DF}">
-                <a14:hiddenLine xmlns:a14="http://schemas.microsoft.com/office/drawing/2010/main" xmlns="" w="9525">
+                <a14:hiddenLine xmlns="" xmlns:a14="http://schemas.microsoft.com/office/drawing/2010/main" w="9525">
                   <a:solidFill>
                     <a:srgbClr val="000000"/>
                   </a:solidFill>
@@ -1723,7 +1723,7 @@
             </a:ln>
             <a:extLst>
               <a:ext uri="{91240B29-F687-4f45-9708-019B960494DF}">
-                <a14:hiddenLine xmlns:a14="http://schemas.microsoft.com/office/drawing/2010/main" xmlns="" w="9525">
+                <a14:hiddenLine xmlns="" xmlns:a14="http://schemas.microsoft.com/office/drawing/2010/main" w="9525">
                   <a:solidFill>
                     <a:srgbClr val="000000"/>
                   </a:solidFill>
@@ -1779,7 +1779,7 @@
             </a:ln>
             <a:extLst>
               <a:ext uri="{91240B29-F687-4f45-9708-019B960494DF}">
-                <a14:hiddenLine xmlns:a14="http://schemas.microsoft.com/office/drawing/2010/main" xmlns="" w="9525">
+                <a14:hiddenLine xmlns="" xmlns:a14="http://schemas.microsoft.com/office/drawing/2010/main" w="9525">
                   <a:solidFill>
                     <a:srgbClr val="000000"/>
                   </a:solidFill>
@@ -1869,7 +1869,7 @@
             </a:ln>
             <a:extLst>
               <a:ext uri="{91240B29-F687-4f45-9708-019B960494DF}">
-                <a14:hiddenLine xmlns:a14="http://schemas.microsoft.com/office/drawing/2010/main" xmlns="" w="9525">
+                <a14:hiddenLine xmlns="" xmlns:a14="http://schemas.microsoft.com/office/drawing/2010/main" w="9525">
                   <a:solidFill>
                     <a:srgbClr val="000000"/>
                   </a:solidFill>
@@ -1925,7 +1925,7 @@
             </a:ln>
             <a:extLst>
               <a:ext uri="{91240B29-F687-4f45-9708-019B960494DF}">
-                <a14:hiddenLine xmlns:a14="http://schemas.microsoft.com/office/drawing/2010/main" xmlns="" w="9525">
+                <a14:hiddenLine xmlns="" xmlns:a14="http://schemas.microsoft.com/office/drawing/2010/main" w="9525">
                   <a:solidFill>
                     <a:srgbClr val="000000"/>
                   </a:solidFill>
@@ -2015,7 +2015,7 @@
             </a:ln>
             <a:extLst>
               <a:ext uri="{91240B29-F687-4f45-9708-019B960494DF}">
-                <a14:hiddenLine xmlns:a14="http://schemas.microsoft.com/office/drawing/2010/main" xmlns="" w="9525">
+                <a14:hiddenLine xmlns="" xmlns:a14="http://schemas.microsoft.com/office/drawing/2010/main" w="9525">
                   <a:solidFill>
                     <a:srgbClr val="000000"/>
                   </a:solidFill>
@@ -2083,7 +2083,7 @@
             </a:ln>
             <a:extLst>
               <a:ext uri="{91240B29-F687-4f45-9708-019B960494DF}">
-                <a14:hiddenLine xmlns:a14="http://schemas.microsoft.com/office/drawing/2010/main" xmlns="" w="9525">
+                <a14:hiddenLine xmlns="" xmlns:a14="http://schemas.microsoft.com/office/drawing/2010/main" w="9525">
                   <a:solidFill>
                     <a:srgbClr val="000000"/>
                   </a:solidFill>
@@ -2173,7 +2173,7 @@
             </a:ln>
             <a:extLst>
               <a:ext uri="{91240B29-F687-4f45-9708-019B960494DF}">
-                <a14:hiddenLine xmlns:a14="http://schemas.microsoft.com/office/drawing/2010/main" xmlns="" w="9525">
+                <a14:hiddenLine xmlns="" xmlns:a14="http://schemas.microsoft.com/office/drawing/2010/main" w="9525">
                   <a:solidFill>
                     <a:srgbClr val="000000"/>
                   </a:solidFill>
@@ -2241,7 +2241,7 @@
             </a:ln>
             <a:extLst>
               <a:ext uri="{91240B29-F687-4f45-9708-019B960494DF}">
-                <a14:hiddenLine xmlns:a14="http://schemas.microsoft.com/office/drawing/2010/main" xmlns="" w="9525">
+                <a14:hiddenLine xmlns="" xmlns:a14="http://schemas.microsoft.com/office/drawing/2010/main" w="9525">
                   <a:solidFill>
                     <a:srgbClr val="000000"/>
                   </a:solidFill>
@@ -2331,7 +2331,7 @@
             </a:ln>
             <a:extLst>
               <a:ext uri="{91240B29-F687-4f45-9708-019B960494DF}">
-                <a14:hiddenLine xmlns:a14="http://schemas.microsoft.com/office/drawing/2010/main" xmlns="" w="9525">
+                <a14:hiddenLine xmlns="" xmlns:a14="http://schemas.microsoft.com/office/drawing/2010/main" w="9525">
                   <a:solidFill>
                     <a:srgbClr val="000000"/>
                   </a:solidFill>
@@ -2365,7 +2365,7 @@
             </a:ln>
             <a:extLst>
               <a:ext uri="{91240B29-F687-4f45-9708-019B960494DF}">
-                <a14:hiddenLine xmlns:a14="http://schemas.microsoft.com/office/drawing/2010/main" xmlns="" w="9525">
+                <a14:hiddenLine xmlns="" xmlns:a14="http://schemas.microsoft.com/office/drawing/2010/main" w="9525">
                   <a:solidFill>
                     <a:srgbClr val="000000"/>
                   </a:solidFill>
@@ -2455,7 +2455,7 @@
             </a:ln>
             <a:extLst>
               <a:ext uri="{91240B29-F687-4f45-9708-019B960494DF}">
-                <a14:hiddenLine xmlns:a14="http://schemas.microsoft.com/office/drawing/2010/main" xmlns="" w="9525">
+                <a14:hiddenLine xmlns="" xmlns:a14="http://schemas.microsoft.com/office/drawing/2010/main" w="9525">
                   <a:solidFill>
                     <a:srgbClr val="000000"/>
                   </a:solidFill>
@@ -2517,7 +2517,7 @@
             </a:ln>
             <a:extLst>
               <a:ext uri="{91240B29-F687-4f45-9708-019B960494DF}">
-                <a14:hiddenLine xmlns:a14="http://schemas.microsoft.com/office/drawing/2010/main" xmlns="" w="9525">
+                <a14:hiddenLine xmlns="" xmlns:a14="http://schemas.microsoft.com/office/drawing/2010/main" w="9525">
                   <a:solidFill>
                     <a:srgbClr val="000000"/>
                   </a:solidFill>
@@ -2579,7 +2579,7 @@
             </a:ln>
             <a:extLst>
               <a:ext uri="{91240B29-F687-4f45-9708-019B960494DF}">
-                <a14:hiddenLine xmlns:a14="http://schemas.microsoft.com/office/drawing/2010/main" xmlns="" w="9525">
+                <a14:hiddenLine xmlns="" xmlns:a14="http://schemas.microsoft.com/office/drawing/2010/main" w="9525">
                   <a:solidFill>
                     <a:srgbClr val="000000"/>
                   </a:solidFill>
@@ -2669,7 +2669,7 @@
             </a:ln>
             <a:extLst>
               <a:ext uri="{91240B29-F687-4f45-9708-019B960494DF}">
-                <a14:hiddenLine xmlns:a14="http://schemas.microsoft.com/office/drawing/2010/main" xmlns="" w="9525">
+                <a14:hiddenLine xmlns="" xmlns:a14="http://schemas.microsoft.com/office/drawing/2010/main" w="9525">
                   <a:solidFill>
                     <a:srgbClr val="000000"/>
                   </a:solidFill>
@@ -2737,7 +2737,7 @@
             </a:ln>
             <a:extLst>
               <a:ext uri="{91240B29-F687-4f45-9708-019B960494DF}">
-                <a14:hiddenLine xmlns:a14="http://schemas.microsoft.com/office/drawing/2010/main" xmlns="" w="9525">
+                <a14:hiddenLine xmlns="" xmlns:a14="http://schemas.microsoft.com/office/drawing/2010/main" w="9525">
                   <a:solidFill>
                     <a:srgbClr val="000000"/>
                   </a:solidFill>
@@ -2799,7 +2799,7 @@
             </a:ln>
             <a:extLst>
               <a:ext uri="{91240B29-F687-4f45-9708-019B960494DF}">
-                <a14:hiddenLine xmlns:a14="http://schemas.microsoft.com/office/drawing/2010/main" xmlns="" w="9525">
+                <a14:hiddenLine xmlns="" xmlns:a14="http://schemas.microsoft.com/office/drawing/2010/main" w="9525">
                   <a:solidFill>
                     <a:srgbClr val="000000"/>
                   </a:solidFill>
@@ -2889,7 +2889,7 @@
             </a:ln>
             <a:extLst>
               <a:ext uri="{91240B29-F687-4f45-9708-019B960494DF}">
-                <a14:hiddenLine xmlns:a14="http://schemas.microsoft.com/office/drawing/2010/main" xmlns="" w="9525">
+                <a14:hiddenLine xmlns="" xmlns:a14="http://schemas.microsoft.com/office/drawing/2010/main" w="9525">
                   <a:solidFill>
                     <a:srgbClr val="000000"/>
                   </a:solidFill>
@@ -2951,7 +2951,7 @@
             </a:ln>
             <a:extLst>
               <a:ext uri="{91240B29-F687-4f45-9708-019B960494DF}">
-                <a14:hiddenLine xmlns:a14="http://schemas.microsoft.com/office/drawing/2010/main" xmlns="" w="9525">
+                <a14:hiddenLine xmlns="" xmlns:a14="http://schemas.microsoft.com/office/drawing/2010/main" w="9525">
                   <a:solidFill>
                     <a:srgbClr val="000000"/>
                   </a:solidFill>
@@ -3041,7 +3041,7 @@
             </a:ln>
             <a:extLst>
               <a:ext uri="{91240B29-F687-4f45-9708-019B960494DF}">
-                <a14:hiddenLine xmlns:a14="http://schemas.microsoft.com/office/drawing/2010/main" xmlns="" w="9525">
+                <a14:hiddenLine xmlns="" xmlns:a14="http://schemas.microsoft.com/office/drawing/2010/main" w="9525">
                   <a:solidFill>
                     <a:srgbClr val="000000"/>
                   </a:solidFill>
@@ -3103,7 +3103,7 @@
             </a:ln>
             <a:extLst>
               <a:ext uri="{91240B29-F687-4f45-9708-019B960494DF}">
-                <a14:hiddenLine xmlns:a14="http://schemas.microsoft.com/office/drawing/2010/main" xmlns="" w="9525">
+                <a14:hiddenLine xmlns="" xmlns:a14="http://schemas.microsoft.com/office/drawing/2010/main" w="9525">
                   <a:solidFill>
                     <a:srgbClr val="000000"/>
                   </a:solidFill>
@@ -3193,7 +3193,7 @@
             </a:ln>
             <a:extLst>
               <a:ext uri="{91240B29-F687-4f45-9708-019B960494DF}">
-                <a14:hiddenLine xmlns:a14="http://schemas.microsoft.com/office/drawing/2010/main" xmlns="" w="9525">
+                <a14:hiddenLine xmlns="" xmlns:a14="http://schemas.microsoft.com/office/drawing/2010/main" w="9525">
                   <a:solidFill>
                     <a:srgbClr val="000000"/>
                   </a:solidFill>
@@ -3227,7 +3227,7 @@
             </a:ln>
             <a:extLst>
               <a:ext uri="{91240B29-F687-4f45-9708-019B960494DF}">
-                <a14:hiddenLine xmlns:a14="http://schemas.microsoft.com/office/drawing/2010/main" xmlns="" w="9525">
+                <a14:hiddenLine xmlns="" xmlns:a14="http://schemas.microsoft.com/office/drawing/2010/main" w="9525">
                   <a:solidFill>
                     <a:srgbClr val="000000"/>
                   </a:solidFill>
@@ -3292,7 +3292,7 @@
             </a:ln>
             <a:extLst>
               <a:ext uri="{91240B29-F687-4f45-9708-019B960494DF}">
-                <a14:hiddenLine xmlns:a14="http://schemas.microsoft.com/office/drawing/2010/main" xmlns="" w="9525">
+                <a14:hiddenLine xmlns="" xmlns:a14="http://schemas.microsoft.com/office/drawing/2010/main" w="9525">
                   <a:solidFill>
                     <a:srgbClr val="000000"/>
                   </a:solidFill>
@@ -3382,7 +3382,7 @@
             </a:ln>
             <a:extLst>
               <a:ext uri="{91240B29-F687-4f45-9708-019B960494DF}">
-                <a14:hiddenLine xmlns:a14="http://schemas.microsoft.com/office/drawing/2010/main" xmlns="" w="9525">
+                <a14:hiddenLine xmlns="" xmlns:a14="http://schemas.microsoft.com/office/drawing/2010/main" w="9525">
                   <a:solidFill>
                     <a:srgbClr val="000000"/>
                   </a:solidFill>
@@ -3444,7 +3444,7 @@
             </a:ln>
             <a:extLst>
               <a:ext uri="{91240B29-F687-4f45-9708-019B960494DF}">
-                <a14:hiddenLine xmlns:a14="http://schemas.microsoft.com/office/drawing/2010/main" xmlns="" w="9525">
+                <a14:hiddenLine xmlns="" xmlns:a14="http://schemas.microsoft.com/office/drawing/2010/main" w="9525">
                   <a:solidFill>
                     <a:srgbClr val="000000"/>
                   </a:solidFill>
@@ -3534,7 +3534,7 @@
             </a:ln>
             <a:extLst>
               <a:ext uri="{91240B29-F687-4f45-9708-019B960494DF}">
-                <a14:hiddenLine xmlns:a14="http://schemas.microsoft.com/office/drawing/2010/main" xmlns="" w="9525">
+                <a14:hiddenLine xmlns="" xmlns:a14="http://schemas.microsoft.com/office/drawing/2010/main" w="9525">
                   <a:solidFill>
                     <a:srgbClr val="000000"/>
                   </a:solidFill>
@@ -3624,7 +3624,7 @@
             </a:ln>
             <a:extLst>
               <a:ext uri="{91240B29-F687-4f45-9708-019B960494DF}">
-                <a14:hiddenLine xmlns:a14="http://schemas.microsoft.com/office/drawing/2010/main" xmlns="" w="9525">
+                <a14:hiddenLine xmlns="" xmlns:a14="http://schemas.microsoft.com/office/drawing/2010/main" w="9525">
                   <a:solidFill>
                     <a:srgbClr val="000000"/>
                   </a:solidFill>
@@ -3689,7 +3689,7 @@
             </a:ln>
             <a:extLst>
               <a:ext uri="{91240B29-F687-4f45-9708-019B960494DF}">
-                <a14:hiddenLine xmlns:a14="http://schemas.microsoft.com/office/drawing/2010/main" xmlns="" w="9525">
+                <a14:hiddenLine xmlns="" xmlns:a14="http://schemas.microsoft.com/office/drawing/2010/main" w="9525">
                   <a:solidFill>
                     <a:srgbClr val="000000"/>
                   </a:solidFill>
@@ -3751,7 +3751,7 @@
             </a:ln>
             <a:extLst>
               <a:ext uri="{91240B29-F687-4f45-9708-019B960494DF}">
-                <a14:hiddenLine xmlns:a14="http://schemas.microsoft.com/office/drawing/2010/main" xmlns="" w="9525">
+                <a14:hiddenLine xmlns="" xmlns:a14="http://schemas.microsoft.com/office/drawing/2010/main" w="9525">
                   <a:solidFill>
                     <a:srgbClr val="000000"/>
                   </a:solidFill>
@@ -3841,7 +3841,7 @@
             </a:ln>
             <a:extLst>
               <a:ext uri="{91240B29-F687-4f45-9708-019B960494DF}">
-                <a14:hiddenLine xmlns:a14="http://schemas.microsoft.com/office/drawing/2010/main" xmlns="" w="9525">
+                <a14:hiddenLine xmlns="" xmlns:a14="http://schemas.microsoft.com/office/drawing/2010/main" w="9525">
                   <a:solidFill>
                     <a:srgbClr val="000000"/>
                   </a:solidFill>
@@ -3931,7 +3931,7 @@
             </a:ln>
             <a:extLst>
               <a:ext uri="{91240B29-F687-4f45-9708-019B960494DF}">
-                <a14:hiddenLine xmlns:a14="http://schemas.microsoft.com/office/drawing/2010/main" xmlns="" w="9525">
+                <a14:hiddenLine xmlns="" xmlns:a14="http://schemas.microsoft.com/office/drawing/2010/main" w="9525">
                   <a:solidFill>
                     <a:srgbClr val="000000"/>
                   </a:solidFill>
@@ -3993,7 +3993,7 @@
             </a:ln>
             <a:extLst>
               <a:ext uri="{91240B29-F687-4f45-9708-019B960494DF}">
-                <a14:hiddenLine xmlns:a14="http://schemas.microsoft.com/office/drawing/2010/main" xmlns="" w="9525">
+                <a14:hiddenLine xmlns="" xmlns:a14="http://schemas.microsoft.com/office/drawing/2010/main" w="9525">
                   <a:solidFill>
                     <a:srgbClr val="000000"/>
                   </a:solidFill>
@@ -4113,7 +4113,7 @@
             </a:ln>
             <a:extLst>
               <a:ext uri="{91240B29-F687-4f45-9708-019B960494DF}">
-                <a14:hiddenLine xmlns:a14="http://schemas.microsoft.com/office/drawing/2010/main" xmlns="" w="9525">
+                <a14:hiddenLine xmlns="" xmlns:a14="http://schemas.microsoft.com/office/drawing/2010/main" w="9525">
                   <a:solidFill>
                     <a:srgbClr val="000000"/>
                   </a:solidFill>
@@ -4181,7 +4181,7 @@
             </a:ln>
             <a:extLst>
               <a:ext uri="{91240B29-F687-4f45-9708-019B960494DF}">
-                <a14:hiddenLine xmlns:a14="http://schemas.microsoft.com/office/drawing/2010/main" xmlns="" w="9525">
+                <a14:hiddenLine xmlns="" xmlns:a14="http://schemas.microsoft.com/office/drawing/2010/main" w="9525">
                   <a:solidFill>
                     <a:srgbClr val="000000"/>
                   </a:solidFill>
@@ -4271,7 +4271,7 @@
             </a:ln>
             <a:extLst>
               <a:ext uri="{91240B29-F687-4f45-9708-019B960494DF}">
-                <a14:hiddenLine xmlns:a14="http://schemas.microsoft.com/office/drawing/2010/main" xmlns="" w="9525">
+                <a14:hiddenLine xmlns="" xmlns:a14="http://schemas.microsoft.com/office/drawing/2010/main" w="9525">
                   <a:solidFill>
                     <a:srgbClr val="000000"/>
                   </a:solidFill>
@@ -9000,7 +9000,7 @@
           <a:noFill/>
           <a:extLst>
             <a:ext uri="{909E8E84-426E-40dd-AFC4-6F175D3DCCD1}">
-              <a14:hiddenFill xmlns:a14="http://schemas.microsoft.com/office/drawing/2010/main" xmlns="">
+              <a14:hiddenFill xmlns="" xmlns:a14="http://schemas.microsoft.com/office/drawing/2010/main">
                 <a:solidFill>
                   <a:srgbClr val="FFFFFF"/>
                 </a:solidFill>
@@ -9074,7 +9074,7 @@
               </a:ln>
               <a:extLst>
                 <a:ext uri="{91240B29-F687-4f45-9708-019B960494DF}">
-                  <a14:hiddenLine xmlns:a14="http://schemas.microsoft.com/office/drawing/2010/main" xmlns="" w="9525">
+                  <a14:hiddenLine xmlns="" xmlns:a14="http://schemas.microsoft.com/office/drawing/2010/main" w="9525">
                     <a:solidFill>
                       <a:srgbClr val="000000"/>
                     </a:solidFill>
@@ -9164,7 +9164,7 @@
               </a:ln>
               <a:extLst>
                 <a:ext uri="{91240B29-F687-4f45-9708-019B960494DF}">
-                  <a14:hiddenLine xmlns:a14="http://schemas.microsoft.com/office/drawing/2010/main" xmlns="" w="9525">
+                  <a14:hiddenLine xmlns="" xmlns:a14="http://schemas.microsoft.com/office/drawing/2010/main" w="9525">
                     <a:solidFill>
                       <a:srgbClr val="000000"/>
                     </a:solidFill>
@@ -9254,7 +9254,7 @@
               </a:ln>
               <a:extLst>
                 <a:ext uri="{91240B29-F687-4f45-9708-019B960494DF}">
-                  <a14:hiddenLine xmlns:a14="http://schemas.microsoft.com/office/drawing/2010/main" xmlns="" w="9525">
+                  <a14:hiddenLine xmlns="" xmlns:a14="http://schemas.microsoft.com/office/drawing/2010/main" w="9525">
                     <a:solidFill>
                       <a:srgbClr val="000000"/>
                     </a:solidFill>
@@ -9316,7 +9316,7 @@
               </a:ln>
               <a:extLst>
                 <a:ext uri="{91240B29-F687-4f45-9708-019B960494DF}">
-                  <a14:hiddenLine xmlns:a14="http://schemas.microsoft.com/office/drawing/2010/main" xmlns="" w="9525">
+                  <a14:hiddenLine xmlns="" xmlns:a14="http://schemas.microsoft.com/office/drawing/2010/main" w="9525">
                     <a:solidFill>
                       <a:srgbClr val="000000"/>
                     </a:solidFill>
@@ -9406,7 +9406,7 @@
               </a:ln>
               <a:extLst>
                 <a:ext uri="{91240B29-F687-4f45-9708-019B960494DF}">
-                  <a14:hiddenLine xmlns:a14="http://schemas.microsoft.com/office/drawing/2010/main" xmlns="" w="9525">
+                  <a14:hiddenLine xmlns="" xmlns:a14="http://schemas.microsoft.com/office/drawing/2010/main" w="9525">
                     <a:solidFill>
                       <a:srgbClr val="000000"/>
                     </a:solidFill>
@@ -9468,7 +9468,7 @@
               </a:ln>
               <a:extLst>
                 <a:ext uri="{91240B29-F687-4f45-9708-019B960494DF}">
-                  <a14:hiddenLine xmlns:a14="http://schemas.microsoft.com/office/drawing/2010/main" xmlns="" w="9525">
+                  <a14:hiddenLine xmlns="" xmlns:a14="http://schemas.microsoft.com/office/drawing/2010/main" w="9525">
                     <a:solidFill>
                       <a:srgbClr val="000000"/>
                     </a:solidFill>
@@ -9530,7 +9530,7 @@
               </a:ln>
               <a:extLst>
                 <a:ext uri="{91240B29-F687-4f45-9708-019B960494DF}">
-                  <a14:hiddenLine xmlns:a14="http://schemas.microsoft.com/office/drawing/2010/main" xmlns="" w="9525">
+                  <a14:hiddenLine xmlns="" xmlns:a14="http://schemas.microsoft.com/office/drawing/2010/main" w="9525">
                     <a:solidFill>
                       <a:srgbClr val="000000"/>
                     </a:solidFill>
@@ -9620,7 +9620,7 @@
               </a:ln>
               <a:extLst>
                 <a:ext uri="{91240B29-F687-4f45-9708-019B960494DF}">
-                  <a14:hiddenLine xmlns:a14="http://schemas.microsoft.com/office/drawing/2010/main" xmlns="" w="9525">
+                  <a14:hiddenLine xmlns="" xmlns:a14="http://schemas.microsoft.com/office/drawing/2010/main" w="9525">
                     <a:solidFill>
                       <a:srgbClr val="000000"/>
                     </a:solidFill>
@@ -9710,7 +9710,7 @@
               </a:ln>
               <a:extLst>
                 <a:ext uri="{91240B29-F687-4f45-9708-019B960494DF}">
-                  <a14:hiddenLine xmlns:a14="http://schemas.microsoft.com/office/drawing/2010/main" xmlns="" w="9525">
+                  <a14:hiddenLine xmlns="" xmlns:a14="http://schemas.microsoft.com/office/drawing/2010/main" w="9525">
                     <a:solidFill>
                       <a:srgbClr val="000000"/>
                     </a:solidFill>
@@ -9772,7 +9772,7 @@
               </a:ln>
               <a:extLst>
                 <a:ext uri="{91240B29-F687-4f45-9708-019B960494DF}">
-                  <a14:hiddenLine xmlns:a14="http://schemas.microsoft.com/office/drawing/2010/main" xmlns="" w="9525">
+                  <a14:hiddenLine xmlns="" xmlns:a14="http://schemas.microsoft.com/office/drawing/2010/main" w="9525">
                     <a:solidFill>
                       <a:srgbClr val="000000"/>
                     </a:solidFill>
@@ -9882,7 +9882,7 @@
               </a:ln>
               <a:extLst>
                 <a:ext uri="{91240B29-F687-4f45-9708-019B960494DF}">
-                  <a14:hiddenLine xmlns:a14="http://schemas.microsoft.com/office/drawing/2010/main" xmlns="" w="9525">
+                  <a14:hiddenLine xmlns="" xmlns:a14="http://schemas.microsoft.com/office/drawing/2010/main" w="9525">
                     <a:solidFill>
                       <a:srgbClr val="000000"/>
                     </a:solidFill>
@@ -9966,7 +9966,7 @@
               </a:ln>
               <a:extLst>
                 <a:ext uri="{91240B29-F687-4f45-9708-019B960494DF}">
-                  <a14:hiddenLine xmlns:a14="http://schemas.microsoft.com/office/drawing/2010/main" xmlns="" w="9525">
+                  <a14:hiddenLine xmlns="" xmlns:a14="http://schemas.microsoft.com/office/drawing/2010/main" w="9525">
                     <a:solidFill>
                       <a:srgbClr val="000000"/>
                     </a:solidFill>
@@ -10028,7 +10028,7 @@
               </a:ln>
               <a:extLst>
                 <a:ext uri="{91240B29-F687-4f45-9708-019B960494DF}">
-                  <a14:hiddenLine xmlns:a14="http://schemas.microsoft.com/office/drawing/2010/main" xmlns="" w="9525">
+                  <a14:hiddenLine xmlns="" xmlns:a14="http://schemas.microsoft.com/office/drawing/2010/main" w="9525">
                     <a:solidFill>
                       <a:srgbClr val="000000"/>
                     </a:solidFill>
@@ -10090,7 +10090,7 @@
               </a:ln>
               <a:extLst>
                 <a:ext uri="{91240B29-F687-4f45-9708-019B960494DF}">
-                  <a14:hiddenLine xmlns:a14="http://schemas.microsoft.com/office/drawing/2010/main" xmlns="" w="9525">
+                  <a14:hiddenLine xmlns="" xmlns:a14="http://schemas.microsoft.com/office/drawing/2010/main" w="9525">
                     <a:solidFill>
                       <a:srgbClr val="000000"/>
                     </a:solidFill>
@@ -10180,7 +10180,7 @@
               </a:ln>
               <a:extLst>
                 <a:ext uri="{91240B29-F687-4f45-9708-019B960494DF}">
-                  <a14:hiddenLine xmlns:a14="http://schemas.microsoft.com/office/drawing/2010/main" xmlns="" w="9525">
+                  <a14:hiddenLine xmlns="" xmlns:a14="http://schemas.microsoft.com/office/drawing/2010/main" w="9525">
                     <a:solidFill>
                       <a:srgbClr val="000000"/>
                     </a:solidFill>
@@ -10214,7 +10214,7 @@
               </a:ln>
               <a:extLst>
                 <a:ext uri="{91240B29-F687-4f45-9708-019B960494DF}">
-                  <a14:hiddenLine xmlns:a14="http://schemas.microsoft.com/office/drawing/2010/main" xmlns="" w="9525">
+                  <a14:hiddenLine xmlns="" xmlns:a14="http://schemas.microsoft.com/office/drawing/2010/main" w="9525">
                     <a:solidFill>
                       <a:srgbClr val="000000"/>
                     </a:solidFill>
@@ -10279,7 +10279,7 @@
               </a:ln>
               <a:extLst>
                 <a:ext uri="{91240B29-F687-4f45-9708-019B960494DF}">
-                  <a14:hiddenLine xmlns:a14="http://schemas.microsoft.com/office/drawing/2010/main" xmlns="" w="9525">
+                  <a14:hiddenLine xmlns="" xmlns:a14="http://schemas.microsoft.com/office/drawing/2010/main" w="9525">
                     <a:solidFill>
                       <a:srgbClr val="000000"/>
                     </a:solidFill>
@@ -10369,7 +10369,7 @@
               </a:ln>
               <a:extLst>
                 <a:ext uri="{91240B29-F687-4f45-9708-019B960494DF}">
-                  <a14:hiddenLine xmlns:a14="http://schemas.microsoft.com/office/drawing/2010/main" xmlns="" w="9525">
+                  <a14:hiddenLine xmlns="" xmlns:a14="http://schemas.microsoft.com/office/drawing/2010/main" w="9525">
                     <a:solidFill>
                       <a:srgbClr val="000000"/>
                     </a:solidFill>
@@ -10431,7 +10431,7 @@
               </a:ln>
               <a:extLst>
                 <a:ext uri="{91240B29-F687-4f45-9708-019B960494DF}">
-                  <a14:hiddenLine xmlns:a14="http://schemas.microsoft.com/office/drawing/2010/main" xmlns="" w="9525">
+                  <a14:hiddenLine xmlns="" xmlns:a14="http://schemas.microsoft.com/office/drawing/2010/main" w="9525">
                     <a:solidFill>
                       <a:srgbClr val="000000"/>
                     </a:solidFill>
@@ -10521,7 +10521,7 @@
               </a:ln>
               <a:extLst>
                 <a:ext uri="{91240B29-F687-4f45-9708-019B960494DF}">
-                  <a14:hiddenLine xmlns:a14="http://schemas.microsoft.com/office/drawing/2010/main" xmlns="" w="9525">
+                  <a14:hiddenLine xmlns="" xmlns:a14="http://schemas.microsoft.com/office/drawing/2010/main" w="9525">
                     <a:solidFill>
                       <a:srgbClr val="000000"/>
                     </a:solidFill>
@@ -10586,7 +10586,7 @@
               </a:ln>
               <a:extLst>
                 <a:ext uri="{91240B29-F687-4f45-9708-019B960494DF}">
-                  <a14:hiddenLine xmlns:a14="http://schemas.microsoft.com/office/drawing/2010/main" xmlns="" w="9525">
+                  <a14:hiddenLine xmlns="" xmlns:a14="http://schemas.microsoft.com/office/drawing/2010/main" w="9525">
                     <a:solidFill>
                       <a:srgbClr val="000000"/>
                     </a:solidFill>
@@ -10648,7 +10648,7 @@
               </a:ln>
               <a:extLst>
                 <a:ext uri="{91240B29-F687-4f45-9708-019B960494DF}">
-                  <a14:hiddenLine xmlns:a14="http://schemas.microsoft.com/office/drawing/2010/main" xmlns="" w="9525">
+                  <a14:hiddenLine xmlns="" xmlns:a14="http://schemas.microsoft.com/office/drawing/2010/main" w="9525">
                     <a:solidFill>
                       <a:srgbClr val="000000"/>
                     </a:solidFill>
@@ -10738,7 +10738,7 @@
               </a:ln>
               <a:extLst>
                 <a:ext uri="{91240B29-F687-4f45-9708-019B960494DF}">
-                  <a14:hiddenLine xmlns:a14="http://schemas.microsoft.com/office/drawing/2010/main" xmlns="" w="9525">
+                  <a14:hiddenLine xmlns="" xmlns:a14="http://schemas.microsoft.com/office/drawing/2010/main" w="9525">
                     <a:solidFill>
                       <a:srgbClr val="000000"/>
                     </a:solidFill>
@@ -10828,7 +10828,7 @@
               </a:ln>
               <a:extLst>
                 <a:ext uri="{91240B29-F687-4f45-9708-019B960494DF}">
-                  <a14:hiddenLine xmlns:a14="http://schemas.microsoft.com/office/drawing/2010/main" xmlns="" w="9525">
+                  <a14:hiddenLine xmlns="" xmlns:a14="http://schemas.microsoft.com/office/drawing/2010/main" w="9525">
                     <a:solidFill>
                       <a:srgbClr val="000000"/>
                     </a:solidFill>
@@ -10893,7 +10893,7 @@
               </a:ln>
               <a:extLst>
                 <a:ext uri="{91240B29-F687-4f45-9708-019B960494DF}">
-                  <a14:hiddenLine xmlns:a14="http://schemas.microsoft.com/office/drawing/2010/main" xmlns="" w="9525">
+                  <a14:hiddenLine xmlns="" xmlns:a14="http://schemas.microsoft.com/office/drawing/2010/main" w="9525">
                     <a:solidFill>
                       <a:srgbClr val="000000"/>
                     </a:solidFill>
@@ -11013,7 +11013,7 @@
               </a:ln>
               <a:extLst>
                 <a:ext uri="{91240B29-F687-4f45-9708-019B960494DF}">
-                  <a14:hiddenLine xmlns:a14="http://schemas.microsoft.com/office/drawing/2010/main" xmlns="" w="9525">
+                  <a14:hiddenLine xmlns="" xmlns:a14="http://schemas.microsoft.com/office/drawing/2010/main" w="9525">
                     <a:solidFill>
                       <a:srgbClr val="000000"/>
                     </a:solidFill>
@@ -11094,7 +11094,7 @@
               </a:ln>
               <a:extLst>
                 <a:ext uri="{91240B29-F687-4f45-9708-019B960494DF}">
-                  <a14:hiddenLine xmlns:a14="http://schemas.microsoft.com/office/drawing/2010/main" xmlns="" w="9525">
+                  <a14:hiddenLine xmlns="" xmlns:a14="http://schemas.microsoft.com/office/drawing/2010/main" w="9525">
                     <a:solidFill>
                       <a:srgbClr val="000000"/>
                     </a:solidFill>
@@ -11209,7 +11209,7 @@
               </a:ln>
               <a:extLst>
                 <a:ext uri="{91240B29-F687-4f45-9708-019B960494DF}">
-                  <a14:hiddenLine xmlns:a14="http://schemas.microsoft.com/office/drawing/2010/main" xmlns="" w="9525">
+                  <a14:hiddenLine xmlns="" xmlns:a14="http://schemas.microsoft.com/office/drawing/2010/main" w="9525">
                     <a:solidFill>
                       <a:srgbClr val="000000"/>
                     </a:solidFill>
@@ -11299,7 +11299,7 @@
               </a:ln>
               <a:extLst>
                 <a:ext uri="{91240B29-F687-4f45-9708-019B960494DF}">
-                  <a14:hiddenLine xmlns:a14="http://schemas.microsoft.com/office/drawing/2010/main" xmlns="" w="9525">
+                  <a14:hiddenLine xmlns="" xmlns:a14="http://schemas.microsoft.com/office/drawing/2010/main" w="9525">
                     <a:solidFill>
                       <a:srgbClr val="000000"/>
                     </a:solidFill>
@@ -11364,7 +11364,7 @@
               </a:ln>
               <a:extLst>
                 <a:ext uri="{91240B29-F687-4f45-9708-019B960494DF}">
-                  <a14:hiddenLine xmlns:a14="http://schemas.microsoft.com/office/drawing/2010/main" xmlns="" w="9525">
+                  <a14:hiddenLine xmlns="" xmlns:a14="http://schemas.microsoft.com/office/drawing/2010/main" w="9525">
                     <a:solidFill>
                       <a:srgbClr val="000000"/>
                     </a:solidFill>
@@ -11454,7 +11454,7 @@
               </a:ln>
               <a:extLst>
                 <a:ext uri="{91240B29-F687-4f45-9708-019B960494DF}">
-                  <a14:hiddenLine xmlns:a14="http://schemas.microsoft.com/office/drawing/2010/main" xmlns="" w="9525">
+                  <a14:hiddenLine xmlns="" xmlns:a14="http://schemas.microsoft.com/office/drawing/2010/main" w="9525">
                     <a:solidFill>
                       <a:srgbClr val="000000"/>
                     </a:solidFill>
@@ -11522,7 +11522,7 @@
               </a:ln>
               <a:extLst>
                 <a:ext uri="{91240B29-F687-4f45-9708-019B960494DF}">
-                  <a14:hiddenLine xmlns:a14="http://schemas.microsoft.com/office/drawing/2010/main" xmlns="" w="9525">
+                  <a14:hiddenLine xmlns="" xmlns:a14="http://schemas.microsoft.com/office/drawing/2010/main" w="9525">
                     <a:solidFill>
                       <a:srgbClr val="000000"/>
                     </a:solidFill>
@@ -11612,7 +11612,7 @@
               </a:ln>
               <a:extLst>
                 <a:ext uri="{91240B29-F687-4f45-9708-019B960494DF}">
-                  <a14:hiddenLine xmlns:a14="http://schemas.microsoft.com/office/drawing/2010/main" xmlns="" w="9525">
+                  <a14:hiddenLine xmlns="" xmlns:a14="http://schemas.microsoft.com/office/drawing/2010/main" w="9525">
                     <a:solidFill>
                       <a:srgbClr val="000000"/>
                     </a:solidFill>
@@ -11680,7 +11680,7 @@
               </a:ln>
               <a:extLst>
                 <a:ext uri="{91240B29-F687-4f45-9708-019B960494DF}">
-                  <a14:hiddenLine xmlns:a14="http://schemas.microsoft.com/office/drawing/2010/main" xmlns="" w="9525">
+                  <a14:hiddenLine xmlns="" xmlns:a14="http://schemas.microsoft.com/office/drawing/2010/main" w="9525">
                     <a:solidFill>
                       <a:srgbClr val="000000"/>
                     </a:solidFill>
@@ -11770,7 +11770,7 @@
               </a:ln>
               <a:extLst>
                 <a:ext uri="{91240B29-F687-4f45-9708-019B960494DF}">
-                  <a14:hiddenLine xmlns:a14="http://schemas.microsoft.com/office/drawing/2010/main" xmlns="" w="9525">
+                  <a14:hiddenLine xmlns="" xmlns:a14="http://schemas.microsoft.com/office/drawing/2010/main" w="9525">
                     <a:solidFill>
                       <a:srgbClr val="000000"/>
                     </a:solidFill>
@@ -11804,7 +11804,7 @@
               </a:ln>
               <a:extLst>
                 <a:ext uri="{91240B29-F687-4f45-9708-019B960494DF}">
-                  <a14:hiddenLine xmlns:a14="http://schemas.microsoft.com/office/drawing/2010/main" xmlns="" w="9525">
+                  <a14:hiddenLine xmlns="" xmlns:a14="http://schemas.microsoft.com/office/drawing/2010/main" w="9525">
                     <a:solidFill>
                       <a:srgbClr val="000000"/>
                     </a:solidFill>
@@ -12827,7 +12827,7 @@
       </p:grpSpPr>
       <p:sp>
         <p:nvSpPr>
-          <p:cNvPr id="5" name="Title 4"/>
+          <p:cNvPr id="2" name="Cím 1"/>
           <p:cNvSpPr>
             <a:spLocks noGrp="1"/>
           </p:cNvSpPr>
@@ -12848,29 +12848,204 @@
           </a:p>
         </p:txBody>
       </p:sp>
+      <p:pic>
+        <p:nvPicPr>
+          <p:cNvPr id="5" name="Tartalom helye 4"/>
+          <p:cNvPicPr>
+            <a:picLocks noGrp="1" noChangeAspect="1"/>
+          </p:cNvPicPr>
+          <p:nvPr>
+            <p:ph idx="1"/>
+          </p:nvPr>
+        </p:nvPicPr>
+        <p:blipFill>
+          <a:blip r:embed="rId2"/>
+          <a:stretch>
+            <a:fillRect/>
+          </a:stretch>
+        </p:blipFill>
+        <p:spPr>
+          <a:xfrm>
+            <a:off x="5535140" y="877383"/>
+            <a:ext cx="5133333" cy="4628571"/>
+          </a:xfrm>
+          <a:prstGeom prst="rect">
+            <a:avLst/>
+          </a:prstGeom>
+          <a:effectLst>
+            <a:softEdge rad="31750"/>
+          </a:effectLst>
+        </p:spPr>
+      </p:pic>
       <p:sp>
         <p:nvSpPr>
-          <p:cNvPr id="6" name="Content Placeholder 5"/>
+          <p:cNvPr id="4" name="Szöveg helye 3"/>
           <p:cNvSpPr>
             <a:spLocks noGrp="1"/>
           </p:cNvSpPr>
           <p:nvPr>
-            <p:ph idx="1"/>
+            <p:ph type="body" sz="half" idx="2"/>
           </p:nvPr>
         </p:nvSpPr>
         <p:spPr/>
         <p:txBody>
-          <a:bodyPr/>
+          <a:bodyPr>
+            <a:normAutofit/>
+          </a:bodyPr>
           <a:lstStyle/>
           <a:p>
-            <a:endParaRPr lang="hu-HU"/>
+            <a:pPr marL="285750" indent="-285750">
+              <a:buFont typeface="Arial" panose="020B0604020202020204" pitchFamily="34" charset="0"/>
+              <a:buChar char="•"/>
+            </a:pPr>
+            <a:r>
+              <a:rPr lang="hu-HU" sz="2400" dirty="0"/>
+              <a:t>N</a:t>
+            </a:r>
+            <a:r>
+              <a:rPr lang="hu-HU" sz="2400" dirty="0" smtClean="0"/>
+              <a:t>o </a:t>
+            </a:r>
+            <a:r>
+              <a:rPr lang="hu-HU" sz="2400" dirty="0" err="1" smtClean="0"/>
+              <a:t>low-energy</a:t>
+            </a:r>
+            <a:r>
+              <a:rPr lang="hu-HU" sz="2400" dirty="0" smtClean="0"/>
+              <a:t> </a:t>
+            </a:r>
+            <a:r>
+              <a:rPr lang="hu-HU" sz="2400" dirty="0" err="1" smtClean="0"/>
+              <a:t>bluetooth</a:t>
+            </a:r>
+            <a:endParaRPr lang="hu-HU" sz="2400" dirty="0"/>
+          </a:p>
+          <a:p>
+            <a:pPr marL="285750" indent="-285750">
+              <a:buFont typeface="Arial" panose="020B0604020202020204" pitchFamily="34" charset="0"/>
+              <a:buChar char="•"/>
+            </a:pPr>
+            <a:r>
+              <a:rPr lang="hu-HU" sz="2400" dirty="0" err="1" smtClean="0"/>
+              <a:t>Simulate</a:t>
+            </a:r>
+            <a:r>
+              <a:rPr lang="hu-HU" sz="2400" dirty="0" smtClean="0"/>
+              <a:t> it</a:t>
+            </a:r>
+          </a:p>
+          <a:p>
+            <a:pPr marL="285750" indent="-285750">
+              <a:buFont typeface="Arial" panose="020B0604020202020204" pitchFamily="34" charset="0"/>
+              <a:buChar char="•"/>
+            </a:pPr>
+            <a:r>
+              <a:rPr lang="hu-HU" sz="2400" dirty="0" err="1" smtClean="0"/>
+              <a:t>Need</a:t>
+            </a:r>
+            <a:r>
+              <a:rPr lang="hu-HU" sz="2400" dirty="0" smtClean="0"/>
+              <a:t> a GUI </a:t>
+            </a:r>
+            <a:r>
+              <a:rPr lang="hu-HU" sz="2400" dirty="0" err="1" smtClean="0"/>
+              <a:t>to</a:t>
+            </a:r>
+            <a:r>
+              <a:rPr lang="hu-HU" sz="2400" dirty="0" smtClean="0"/>
+              <a:t> </a:t>
+            </a:r>
+            <a:r>
+              <a:rPr lang="hu-HU" sz="2400" dirty="0" err="1" smtClean="0"/>
+              <a:t>place</a:t>
+            </a:r>
+            <a:r>
+              <a:rPr lang="hu-HU" sz="2400" dirty="0" smtClean="0"/>
+              <a:t> </a:t>
+            </a:r>
+            <a:r>
+              <a:rPr lang="hu-HU" sz="2400" dirty="0" err="1" smtClean="0"/>
+              <a:t>the</a:t>
+            </a:r>
+            <a:r>
+              <a:rPr lang="hu-HU" sz="2400" dirty="0" smtClean="0"/>
+              <a:t> </a:t>
+            </a:r>
+            <a:r>
+              <a:rPr lang="hu-HU" sz="2400" dirty="0" err="1" smtClean="0"/>
+              <a:t>objects</a:t>
+            </a:r>
+            <a:endParaRPr lang="hu-HU" sz="2400" dirty="0" smtClean="0"/>
+          </a:p>
+          <a:p>
+            <a:pPr marL="285750" indent="-285750">
+              <a:buFont typeface="Arial" panose="020B0604020202020204" pitchFamily="34" charset="0"/>
+              <a:buChar char="•"/>
+            </a:pPr>
+            <a:r>
+              <a:rPr lang="hu-HU" sz="2400" dirty="0" err="1" smtClean="0"/>
+              <a:t>Sensors</a:t>
+            </a:r>
+            <a:r>
+              <a:rPr lang="hu-HU" sz="2400" dirty="0" smtClean="0"/>
+              <a:t> in </a:t>
+            </a:r>
+            <a:r>
+              <a:rPr lang="hu-HU" sz="2400" dirty="0" err="1" smtClean="0"/>
+              <a:t>the</a:t>
+            </a:r>
+            <a:r>
+              <a:rPr lang="hu-HU" sz="2400" dirty="0" smtClean="0"/>
+              <a:t> </a:t>
+            </a:r>
+            <a:r>
+              <a:rPr lang="hu-HU" sz="2400" dirty="0" err="1" smtClean="0"/>
+              <a:t>corners</a:t>
+            </a:r>
+            <a:r>
+              <a:rPr lang="hu-HU" sz="2400" dirty="0" smtClean="0"/>
+              <a:t> (</a:t>
+            </a:r>
+            <a:r>
+              <a:rPr lang="hu-HU" sz="2400" dirty="0" err="1" smtClean="0"/>
+              <a:t>except</a:t>
+            </a:r>
+            <a:r>
+              <a:rPr lang="hu-HU" sz="2400" dirty="0" smtClean="0"/>
+              <a:t> </a:t>
+            </a:r>
+            <a:r>
+              <a:rPr lang="hu-HU" sz="2400" dirty="0" err="1" smtClean="0"/>
+              <a:t>the</a:t>
+            </a:r>
+            <a:r>
+              <a:rPr lang="hu-HU" sz="2400" dirty="0" smtClean="0"/>
+              <a:t> </a:t>
+            </a:r>
+            <a:r>
+              <a:rPr lang="hu-HU" sz="2400" dirty="0" err="1" smtClean="0"/>
+              <a:t>left</a:t>
+            </a:r>
+            <a:r>
+              <a:rPr lang="hu-HU" sz="2400" dirty="0" smtClean="0"/>
+              <a:t> </a:t>
+            </a:r>
+            <a:r>
+              <a:rPr lang="hu-HU" sz="2400" dirty="0" err="1" smtClean="0"/>
+              <a:t>bottom</a:t>
+            </a:r>
+            <a:r>
+              <a:rPr lang="hu-HU" sz="2400" dirty="0" smtClean="0"/>
+              <a:t>)</a:t>
+            </a:r>
+            <a:endParaRPr lang="hu-HU" sz="2400" dirty="0"/>
           </a:p>
         </p:txBody>
       </p:sp>
     </p:spTree>
     <p:extLst>
       <p:ext uri="{BB962C8B-B14F-4D97-AF65-F5344CB8AC3E}">
-        <p14:creationId xmlns:p14="http://schemas.microsoft.com/office/powerpoint/2010/main" val="2716331043"/>
+        <p14:creationId xmlns:p14="http://schemas.microsoft.com/office/powerpoint/2010/main" val="2915796285"/>
       </p:ext>
     </p:extLst>
   </p:cSld>
